--- a/Data-Structure/Handon/04-tree-part-1/00_Lecture_04.pptx
+++ b/Data-Structure/Handon/04-tree-part-1/00_Lecture_04.pptx
@@ -7,16 +7,17 @@
   <p:sldIdLst>
     <p:sldId id="256" r:id="rId2"/>
     <p:sldId id="266" r:id="rId3"/>
-    <p:sldId id="257" r:id="rId4"/>
-    <p:sldId id="258" r:id="rId5"/>
-    <p:sldId id="259" r:id="rId6"/>
-    <p:sldId id="260" r:id="rId7"/>
-    <p:sldId id="261" r:id="rId8"/>
+    <p:sldId id="268" r:id="rId4"/>
+    <p:sldId id="257" r:id="rId5"/>
+    <p:sldId id="258" r:id="rId6"/>
+    <p:sldId id="259" r:id="rId7"/>
+    <p:sldId id="260" r:id="rId8"/>
     <p:sldId id="262" r:id="rId9"/>
-    <p:sldId id="263" r:id="rId10"/>
-    <p:sldId id="264" r:id="rId11"/>
-    <p:sldId id="265" r:id="rId12"/>
-    <p:sldId id="267" r:id="rId13"/>
+    <p:sldId id="261" r:id="rId10"/>
+    <p:sldId id="263" r:id="rId11"/>
+    <p:sldId id="264" r:id="rId12"/>
+    <p:sldId id="265" r:id="rId13"/>
+    <p:sldId id="267" r:id="rId14"/>
   </p:sldIdLst>
   <p:sldSz cx="12192000" cy="6858000"/>
   <p:notesSz cx="6858000" cy="9144000"/>
@@ -115,6 +116,11 @@
       </a:defRPr>
     </a:lvl9pPr>
   </p:defaultTextStyle>
+  <p:extLst>
+    <p:ext uri="{EFAFB233-063F-42B5-8137-9DF3F51BA10A}">
+      <p15:sldGuideLst xmlns:p15="http://schemas.microsoft.com/office/powerpoint/2012/main"/>
+    </p:ext>
+  </p:extLst>
 </p:presentation>
 </file>
 
@@ -265,7 +271,7 @@
           <a:p>
             <a:fld id="{B1F513D1-30EB-4405-B828-E6FCA6531C6F}" type="datetimeFigureOut">
               <a:rPr lang="en-US" smtClean="0"/>
-              <a:t>11/24/2023</a:t>
+              <a:t>11/26/2023</a:t>
             </a:fld>
             <a:endParaRPr lang="en-US"/>
           </a:p>
@@ -463,7 +469,7 @@
           <a:p>
             <a:fld id="{B1F513D1-30EB-4405-B828-E6FCA6531C6F}" type="datetimeFigureOut">
               <a:rPr lang="en-US" smtClean="0"/>
-              <a:t>11/24/2023</a:t>
+              <a:t>11/26/2023</a:t>
             </a:fld>
             <a:endParaRPr lang="en-US"/>
           </a:p>
@@ -671,7 +677,7 @@
           <a:p>
             <a:fld id="{B1F513D1-30EB-4405-B828-E6FCA6531C6F}" type="datetimeFigureOut">
               <a:rPr lang="en-US" smtClean="0"/>
-              <a:t>11/24/2023</a:t>
+              <a:t>11/26/2023</a:t>
             </a:fld>
             <a:endParaRPr lang="en-US"/>
           </a:p>
@@ -869,7 +875,7 @@
           <a:p>
             <a:fld id="{B1F513D1-30EB-4405-B828-E6FCA6531C6F}" type="datetimeFigureOut">
               <a:rPr lang="en-US" smtClean="0"/>
-              <a:t>11/24/2023</a:t>
+              <a:t>11/26/2023</a:t>
             </a:fld>
             <a:endParaRPr lang="en-US"/>
           </a:p>
@@ -1144,7 +1150,7 @@
           <a:p>
             <a:fld id="{B1F513D1-30EB-4405-B828-E6FCA6531C6F}" type="datetimeFigureOut">
               <a:rPr lang="en-US" smtClean="0"/>
-              <a:t>11/24/2023</a:t>
+              <a:t>11/26/2023</a:t>
             </a:fld>
             <a:endParaRPr lang="en-US"/>
           </a:p>
@@ -1409,7 +1415,7 @@
           <a:p>
             <a:fld id="{B1F513D1-30EB-4405-B828-E6FCA6531C6F}" type="datetimeFigureOut">
               <a:rPr lang="en-US" smtClean="0"/>
-              <a:t>11/24/2023</a:t>
+              <a:t>11/26/2023</a:t>
             </a:fld>
             <a:endParaRPr lang="en-US"/>
           </a:p>
@@ -1821,7 +1827,7 @@
           <a:p>
             <a:fld id="{B1F513D1-30EB-4405-B828-E6FCA6531C6F}" type="datetimeFigureOut">
               <a:rPr lang="en-US" smtClean="0"/>
-              <a:t>11/24/2023</a:t>
+              <a:t>11/26/2023</a:t>
             </a:fld>
             <a:endParaRPr lang="en-US"/>
           </a:p>
@@ -1962,7 +1968,7 @@
           <a:p>
             <a:fld id="{B1F513D1-30EB-4405-B828-E6FCA6531C6F}" type="datetimeFigureOut">
               <a:rPr lang="en-US" smtClean="0"/>
-              <a:t>11/24/2023</a:t>
+              <a:t>11/26/2023</a:t>
             </a:fld>
             <a:endParaRPr lang="en-US"/>
           </a:p>
@@ -2075,7 +2081,7 @@
           <a:p>
             <a:fld id="{B1F513D1-30EB-4405-B828-E6FCA6531C6F}" type="datetimeFigureOut">
               <a:rPr lang="en-US" smtClean="0"/>
-              <a:t>11/24/2023</a:t>
+              <a:t>11/26/2023</a:t>
             </a:fld>
             <a:endParaRPr lang="en-US"/>
           </a:p>
@@ -2386,7 +2392,7 @@
           <a:p>
             <a:fld id="{B1F513D1-30EB-4405-B828-E6FCA6531C6F}" type="datetimeFigureOut">
               <a:rPr lang="en-US" smtClean="0"/>
-              <a:t>11/24/2023</a:t>
+              <a:t>11/26/2023</a:t>
             </a:fld>
             <a:endParaRPr lang="en-US"/>
           </a:p>
@@ -2674,7 +2680,7 @@
           <a:p>
             <a:fld id="{B1F513D1-30EB-4405-B828-E6FCA6531C6F}" type="datetimeFigureOut">
               <a:rPr lang="en-US" smtClean="0"/>
-              <a:t>11/24/2023</a:t>
+              <a:t>11/26/2023</a:t>
             </a:fld>
             <a:endParaRPr lang="en-US"/>
           </a:p>
@@ -2915,7 +2921,7 @@
           <a:p>
             <a:fld id="{B1F513D1-30EB-4405-B828-E6FCA6531C6F}" type="datetimeFigureOut">
               <a:rPr lang="en-US" smtClean="0"/>
-              <a:t>11/24/2023</a:t>
+              <a:t>11/26/2023</a:t>
             </a:fld>
             <a:endParaRPr lang="en-US"/>
           </a:p>
@@ -3402,6 +3408,113 @@
       </p:grpSpPr>
       <p:pic>
         <p:nvPicPr>
+          <p:cNvPr id="4" name="Picture 3">
+            <a:extLst>
+              <a:ext uri="{FF2B5EF4-FFF2-40B4-BE49-F238E27FC236}">
+                <a16:creationId xmlns:a16="http://schemas.microsoft.com/office/drawing/2014/main" id="{9381F09E-A372-481F-9E2F-AF1BD855178F}"/>
+              </a:ext>
+            </a:extLst>
+          </p:cNvPr>
+          <p:cNvPicPr>
+            <a:picLocks noChangeAspect="1"/>
+          </p:cNvPicPr>
+          <p:nvPr/>
+        </p:nvPicPr>
+        <p:blipFill>
+          <a:blip r:embed="rId2"/>
+          <a:stretch>
+            <a:fillRect/>
+          </a:stretch>
+        </p:blipFill>
+        <p:spPr>
+          <a:xfrm>
+            <a:off x="1208922" y="1197356"/>
+            <a:ext cx="6886575" cy="1581150"/>
+          </a:xfrm>
+          <a:prstGeom prst="rect">
+            <a:avLst/>
+          </a:prstGeom>
+        </p:spPr>
+      </p:pic>
+      <p:pic>
+        <p:nvPicPr>
+          <p:cNvPr id="3074" name="Picture 2" descr="A binary tree node image. There is a data element, and two pointers going towards the left and towards the right">
+            <a:extLst>
+              <a:ext uri="{FF2B5EF4-FFF2-40B4-BE49-F238E27FC236}">
+                <a16:creationId xmlns:a16="http://schemas.microsoft.com/office/drawing/2014/main" id="{C0EFA209-BD2D-4325-BDFC-54A1283A4398}"/>
+              </a:ext>
+            </a:extLst>
+          </p:cNvPr>
+          <p:cNvPicPr>
+            <a:picLocks noChangeAspect="1" noChangeArrowheads="1"/>
+          </p:cNvPicPr>
+          <p:nvPr/>
+        </p:nvPicPr>
+        <p:blipFill>
+          <a:blip r:embed="rId3">
+            <a:extLst>
+              <a:ext uri="{28A0092B-C50C-407E-A947-70E740481C1C}">
+                <a14:useLocalDpi xmlns:a14="http://schemas.microsoft.com/office/drawing/2010/main" val="0"/>
+              </a:ext>
+            </a:extLst>
+          </a:blip>
+          <a:srcRect/>
+          <a:stretch>
+            <a:fillRect/>
+          </a:stretch>
+        </p:blipFill>
+        <p:spPr bwMode="auto">
+          <a:xfrm>
+            <a:off x="2832684" y="3172326"/>
+            <a:ext cx="5262813" cy="3033247"/>
+          </a:xfrm>
+          <a:prstGeom prst="rect">
+            <a:avLst/>
+          </a:prstGeom>
+          <a:noFill/>
+          <a:extLst>
+            <a:ext uri="{909E8E84-426E-40DD-AFC4-6F175D3DCCD1}">
+              <a14:hiddenFill xmlns:a14="http://schemas.microsoft.com/office/drawing/2010/main">
+                <a:solidFill>
+                  <a:srgbClr val="FFFFFF"/>
+                </a:solidFill>
+              </a14:hiddenFill>
+            </a:ext>
+          </a:extLst>
+        </p:spPr>
+      </p:pic>
+    </p:spTree>
+    <p:extLst>
+      <p:ext uri="{BB962C8B-B14F-4D97-AF65-F5344CB8AC3E}">
+        <p14:creationId xmlns:p14="http://schemas.microsoft.com/office/powerpoint/2010/main" val="4106472994"/>
+      </p:ext>
+    </p:extLst>
+  </p:cSld>
+  <p:clrMapOvr>
+    <a:masterClrMapping/>
+  </p:clrMapOvr>
+</p:sld>
+</file>
+
+<file path=ppt/slides/slide11.xml><?xml version="1.0" encoding="utf-8"?>
+<p:sld xmlns:a="http://schemas.openxmlformats.org/drawingml/2006/main" xmlns:r="http://schemas.openxmlformats.org/officeDocument/2006/relationships" xmlns:p="http://schemas.openxmlformats.org/presentationml/2006/main">
+  <p:cSld>
+    <p:spTree>
+      <p:nvGrpSpPr>
+        <p:cNvPr id="1" name=""/>
+        <p:cNvGrpSpPr/>
+        <p:nvPr/>
+      </p:nvGrpSpPr>
+      <p:grpSpPr>
+        <a:xfrm>
+          <a:off x="0" y="0"/>
+          <a:ext cx="0" cy="0"/>
+          <a:chOff x="0" y="0"/>
+          <a:chExt cx="0" cy="0"/>
+        </a:xfrm>
+      </p:grpSpPr>
+      <p:pic>
+        <p:nvPicPr>
           <p:cNvPr id="4" name="Content Placeholder 3">
             <a:extLst>
               <a:ext uri="{FF2B5EF4-FFF2-40B4-BE49-F238E27FC236}">
@@ -3492,130 +3605,6 @@
 </p:sld>
 </file>
 
-<file path=ppt/slides/slide11.xml><?xml version="1.0" encoding="utf-8"?>
-<p:sld xmlns:a="http://schemas.openxmlformats.org/drawingml/2006/main" xmlns:r="http://schemas.openxmlformats.org/officeDocument/2006/relationships" xmlns:p="http://schemas.openxmlformats.org/presentationml/2006/main">
-  <p:cSld>
-    <p:spTree>
-      <p:nvGrpSpPr>
-        <p:cNvPr id="1" name=""/>
-        <p:cNvGrpSpPr/>
-        <p:nvPr/>
-      </p:nvGrpSpPr>
-      <p:grpSpPr>
-        <a:xfrm>
-          <a:off x="0" y="0"/>
-          <a:ext cx="0" cy="0"/>
-          <a:chOff x="0" y="0"/>
-          <a:chExt cx="0" cy="0"/>
-        </a:xfrm>
-      </p:grpSpPr>
-      <p:sp>
-        <p:nvSpPr>
-          <p:cNvPr id="2" name="Title 1">
-            <a:extLst>
-              <a:ext uri="{FF2B5EF4-FFF2-40B4-BE49-F238E27FC236}">
-                <a16:creationId xmlns:a16="http://schemas.microsoft.com/office/drawing/2014/main" id="{8044B022-5589-4FC7-8809-BAEA484AA93A}"/>
-              </a:ext>
-            </a:extLst>
-          </p:cNvPr>
-          <p:cNvSpPr>
-            <a:spLocks noGrp="1"/>
-          </p:cNvSpPr>
-          <p:nvPr>
-            <p:ph type="title"/>
-          </p:nvPr>
-        </p:nvSpPr>
-        <p:spPr/>
-        <p:txBody>
-          <a:bodyPr/>
-          <a:lstStyle/>
-          <a:p>
-            <a:r>
-              <a:rPr lang="en-US" dirty="0">
-                <a:latin typeface="Times New Roman" panose="02020603050405020304" pitchFamily="18" charset="0"/>
-                <a:cs typeface="Times New Roman" panose="02020603050405020304" pitchFamily="18" charset="0"/>
-              </a:rPr>
-              <a:t>attribute</a:t>
-            </a:r>
-          </a:p>
-        </p:txBody>
-      </p:sp>
-      <p:sp>
-        <p:nvSpPr>
-          <p:cNvPr id="3" name="Content Placeholder 2">
-            <a:extLst>
-              <a:ext uri="{FF2B5EF4-FFF2-40B4-BE49-F238E27FC236}">
-                <a16:creationId xmlns:a16="http://schemas.microsoft.com/office/drawing/2014/main" id="{97AEFD95-ACFD-48ED-A75B-82FB223585B8}"/>
-              </a:ext>
-            </a:extLst>
-          </p:cNvPr>
-          <p:cNvSpPr>
-            <a:spLocks noGrp="1"/>
-          </p:cNvSpPr>
-          <p:nvPr>
-            <p:ph idx="1"/>
-          </p:nvPr>
-        </p:nvSpPr>
-        <p:spPr>
-          <a:xfrm>
-            <a:off x="160421" y="2141537"/>
-            <a:ext cx="11871158" cy="4351338"/>
-          </a:xfrm>
-        </p:spPr>
-        <p:txBody>
-          <a:bodyPr/>
-          <a:lstStyle/>
-          <a:p>
-            <a:r>
-              <a:rPr lang="en-US" dirty="0">
-                <a:latin typeface="Times New Roman" panose="02020603050405020304" pitchFamily="18" charset="0"/>
-                <a:cs typeface="Times New Roman" panose="02020603050405020304" pitchFamily="18" charset="0"/>
-              </a:rPr>
-              <a:t>Node: node-&gt;left child -&gt; parent = node</a:t>
-            </a:r>
-          </a:p>
-          <a:p>
-            <a:r>
-              <a:rPr lang="en-US" dirty="0">
-                <a:latin typeface="Times New Roman" panose="02020603050405020304" pitchFamily="18" charset="0"/>
-                <a:cs typeface="Times New Roman" panose="02020603050405020304" pitchFamily="18" charset="0"/>
-              </a:rPr>
-              <a:t>Subtree(X): X and descendants (X as root)</a:t>
-            </a:r>
-          </a:p>
-          <a:p>
-            <a:r>
-              <a:rPr lang="en-US" dirty="0">
-                <a:latin typeface="Times New Roman" panose="02020603050405020304" pitchFamily="18" charset="0"/>
-                <a:cs typeface="Times New Roman" panose="02020603050405020304" pitchFamily="18" charset="0"/>
-              </a:rPr>
-              <a:t>Depth(X): # edges in path from X to the root</a:t>
-            </a:r>
-          </a:p>
-          <a:p>
-            <a:r>
-              <a:rPr lang="en-US" dirty="0">
-                <a:latin typeface="Times New Roman" panose="02020603050405020304" pitchFamily="18" charset="0"/>
-                <a:cs typeface="Times New Roman" panose="02020603050405020304" pitchFamily="18" charset="0"/>
-              </a:rPr>
-              <a:t>Hight(X): # edges in longest downward path from X (max depth in subtree(X)</a:t>
-            </a:r>
-          </a:p>
-        </p:txBody>
-      </p:sp>
-    </p:spTree>
-    <p:extLst>
-      <p:ext uri="{BB962C8B-B14F-4D97-AF65-F5344CB8AC3E}">
-        <p14:creationId xmlns:p14="http://schemas.microsoft.com/office/powerpoint/2010/main" val="3146538324"/>
-      </p:ext>
-    </p:extLst>
-  </p:cSld>
-  <p:clrMapOvr>
-    <a:masterClrMapping/>
-  </p:clrMapOvr>
-</p:sld>
-</file>
-
 <file path=ppt/slides/slide12.xml><?xml version="1.0" encoding="utf-8"?>
 <p:sld xmlns:a="http://schemas.openxmlformats.org/drawingml/2006/main" xmlns:r="http://schemas.openxmlformats.org/officeDocument/2006/relationships" xmlns:p="http://schemas.openxmlformats.org/presentationml/2006/main">
   <p:cSld>
@@ -3638,6 +3627,130 @@
           <p:cNvPr id="2" name="Title 1">
             <a:extLst>
               <a:ext uri="{FF2B5EF4-FFF2-40B4-BE49-F238E27FC236}">
+                <a16:creationId xmlns:a16="http://schemas.microsoft.com/office/drawing/2014/main" id="{8044B022-5589-4FC7-8809-BAEA484AA93A}"/>
+              </a:ext>
+            </a:extLst>
+          </p:cNvPr>
+          <p:cNvSpPr>
+            <a:spLocks noGrp="1"/>
+          </p:cNvSpPr>
+          <p:nvPr>
+            <p:ph type="title"/>
+          </p:nvPr>
+        </p:nvSpPr>
+        <p:spPr/>
+        <p:txBody>
+          <a:bodyPr/>
+          <a:lstStyle/>
+          <a:p>
+            <a:r>
+              <a:rPr lang="en-US" dirty="0">
+                <a:latin typeface="Times New Roman" panose="02020603050405020304" pitchFamily="18" charset="0"/>
+                <a:cs typeface="Times New Roman" panose="02020603050405020304" pitchFamily="18" charset="0"/>
+              </a:rPr>
+              <a:t>attribute</a:t>
+            </a:r>
+          </a:p>
+        </p:txBody>
+      </p:sp>
+      <p:sp>
+        <p:nvSpPr>
+          <p:cNvPr id="3" name="Content Placeholder 2">
+            <a:extLst>
+              <a:ext uri="{FF2B5EF4-FFF2-40B4-BE49-F238E27FC236}">
+                <a16:creationId xmlns:a16="http://schemas.microsoft.com/office/drawing/2014/main" id="{97AEFD95-ACFD-48ED-A75B-82FB223585B8}"/>
+              </a:ext>
+            </a:extLst>
+          </p:cNvPr>
+          <p:cNvSpPr>
+            <a:spLocks noGrp="1"/>
+          </p:cNvSpPr>
+          <p:nvPr>
+            <p:ph idx="1"/>
+          </p:nvPr>
+        </p:nvSpPr>
+        <p:spPr>
+          <a:xfrm>
+            <a:off x="160421" y="2141537"/>
+            <a:ext cx="11871158" cy="2856591"/>
+          </a:xfrm>
+        </p:spPr>
+        <p:txBody>
+          <a:bodyPr/>
+          <a:lstStyle/>
+          <a:p>
+            <a:r>
+              <a:rPr lang="en-US" dirty="0">
+                <a:latin typeface="Times New Roman" panose="02020603050405020304" pitchFamily="18" charset="0"/>
+                <a:cs typeface="Times New Roman" panose="02020603050405020304" pitchFamily="18" charset="0"/>
+              </a:rPr>
+              <a:t>Node: node-&gt;left child -&gt; parent = node</a:t>
+            </a:r>
+          </a:p>
+          <a:p>
+            <a:r>
+              <a:rPr lang="en-US" dirty="0">
+                <a:latin typeface="Times New Roman" panose="02020603050405020304" pitchFamily="18" charset="0"/>
+                <a:cs typeface="Times New Roman" panose="02020603050405020304" pitchFamily="18" charset="0"/>
+              </a:rPr>
+              <a:t>Subtree(X): X and descendants (X as root)</a:t>
+            </a:r>
+          </a:p>
+          <a:p>
+            <a:r>
+              <a:rPr lang="en-US" dirty="0">
+                <a:latin typeface="Times New Roman" panose="02020603050405020304" pitchFamily="18" charset="0"/>
+                <a:cs typeface="Times New Roman" panose="02020603050405020304" pitchFamily="18" charset="0"/>
+              </a:rPr>
+              <a:t>Depth(X): # edges in path from X to the root</a:t>
+            </a:r>
+          </a:p>
+          <a:p>
+            <a:r>
+              <a:rPr lang="en-US" dirty="0">
+                <a:latin typeface="Times New Roman" panose="02020603050405020304" pitchFamily="18" charset="0"/>
+                <a:cs typeface="Times New Roman" panose="02020603050405020304" pitchFamily="18" charset="0"/>
+              </a:rPr>
+              <a:t>Hight(X): # edges in longest downward path from X (max depth in subtree(X)</a:t>
+            </a:r>
+          </a:p>
+        </p:txBody>
+      </p:sp>
+    </p:spTree>
+    <p:extLst>
+      <p:ext uri="{BB962C8B-B14F-4D97-AF65-F5344CB8AC3E}">
+        <p14:creationId xmlns:p14="http://schemas.microsoft.com/office/powerpoint/2010/main" val="3146538324"/>
+      </p:ext>
+    </p:extLst>
+  </p:cSld>
+  <p:clrMapOvr>
+    <a:masterClrMapping/>
+  </p:clrMapOvr>
+</p:sld>
+</file>
+
+<file path=ppt/slides/slide13.xml><?xml version="1.0" encoding="utf-8"?>
+<p:sld xmlns:a="http://schemas.openxmlformats.org/drawingml/2006/main" xmlns:r="http://schemas.openxmlformats.org/officeDocument/2006/relationships" xmlns:p="http://schemas.openxmlformats.org/presentationml/2006/main">
+  <p:cSld>
+    <p:spTree>
+      <p:nvGrpSpPr>
+        <p:cNvPr id="1" name=""/>
+        <p:cNvGrpSpPr/>
+        <p:nvPr/>
+      </p:nvGrpSpPr>
+      <p:grpSpPr>
+        <a:xfrm>
+          <a:off x="0" y="0"/>
+          <a:ext cx="0" cy="0"/>
+          <a:chOff x="0" y="0"/>
+          <a:chExt cx="0" cy="0"/>
+        </a:xfrm>
+      </p:grpSpPr>
+      <p:sp>
+        <p:nvSpPr>
+          <p:cNvPr id="2" name="Title 1">
+            <a:extLst>
+              <a:ext uri="{FF2B5EF4-FFF2-40B4-BE49-F238E27FC236}">
                 <a16:creationId xmlns:a16="http://schemas.microsoft.com/office/drawing/2014/main" id="{35AA2D55-C9C5-4751-A4E1-AE92AE452604}"/>
               </a:ext>
             </a:extLst>
@@ -3702,7 +3815,7 @@
             </a:r>
             <a:r>
               <a:rPr lang="en-US" b="1" dirty="0"/>
-              <a:t> Traversal:         </a:t>
+              <a:t> Traversal:          </a:t>
             </a:r>
             <a:r>
               <a:rPr lang="en-US" dirty="0"/>
@@ -3716,11 +3829,19 @@
             </a:r>
             <a:r>
               <a:rPr lang="en-US" b="1" dirty="0"/>
-              <a:t> Traversal: </a:t>
+              <a:t> Traversal</a:t>
+            </a:r>
+            <a:r>
+              <a:rPr lang="en-US" b="1"/>
+              <a:t>: </a:t>
+            </a:r>
+            <a:r>
+              <a:rPr lang="en-US"/>
+              <a:t>     </a:t>
             </a:r>
             <a:r>
               <a:rPr lang="en-US" dirty="0"/>
-              <a:t>    Right_ Visit_ Left</a:t>
+              <a:t>Right_ Visit_ Left</a:t>
             </a:r>
             <a:endParaRPr lang="en-US" b="1" dirty="0"/>
           </a:p>
@@ -3831,18 +3952,11 @@
               <a:buNone/>
             </a:pPr>
             <a:r>
-              <a:rPr lang="en-US" b="1" dirty="0" err="1">
-                <a:latin typeface="Times New Roman" panose="02020603050405020304" pitchFamily="18" charset="0"/>
-                <a:cs typeface="Times New Roman" panose="02020603050405020304" pitchFamily="18" charset="0"/>
-              </a:rPr>
-              <a:t>Defind</a:t>
-            </a:r>
-            <a:r>
               <a:rPr lang="en-US" b="1" dirty="0">
                 <a:latin typeface="Times New Roman" panose="02020603050405020304" pitchFamily="18" charset="0"/>
                 <a:cs typeface="Times New Roman" panose="02020603050405020304" pitchFamily="18" charset="0"/>
               </a:rPr>
-              <a:t> New Data Structure!!</a:t>
+              <a:t>Defined New Data Structure!!</a:t>
             </a:r>
           </a:p>
           <a:p>
@@ -4012,6 +4126,192 @@
           <p:cNvPr id="2" name="Title 1">
             <a:extLst>
               <a:ext uri="{FF2B5EF4-FFF2-40B4-BE49-F238E27FC236}">
+                <a16:creationId xmlns:a16="http://schemas.microsoft.com/office/drawing/2014/main" id="{A16C7E47-6991-4647-99AE-14BF1AACB550}"/>
+              </a:ext>
+            </a:extLst>
+          </p:cNvPr>
+          <p:cNvSpPr>
+            <a:spLocks noGrp="1"/>
+          </p:cNvSpPr>
+          <p:nvPr>
+            <p:ph type="title"/>
+          </p:nvPr>
+        </p:nvSpPr>
+        <p:spPr>
+          <a:xfrm>
+            <a:off x="22900" y="-79848"/>
+            <a:ext cx="11013489" cy="1889803"/>
+          </a:xfrm>
+        </p:spPr>
+        <p:txBody>
+          <a:bodyPr/>
+          <a:lstStyle/>
+          <a:p>
+            <a:r>
+              <a:rPr lang="en-US" dirty="0">
+                <a:latin typeface="Times New Roman" panose="02020603050405020304" pitchFamily="18" charset="0"/>
+                <a:cs typeface="Times New Roman" panose="02020603050405020304" pitchFamily="18" charset="0"/>
+              </a:rPr>
+              <a:t>Why do we use other data structures?</a:t>
+            </a:r>
+            <a:endParaRPr lang="en-US" dirty="0">
+              <a:solidFill>
+                <a:srgbClr val="FF0000"/>
+              </a:solidFill>
+              <a:latin typeface="Times New Roman" panose="02020603050405020304" pitchFamily="18" charset="0"/>
+              <a:cs typeface="Times New Roman" panose="02020603050405020304" pitchFamily="18" charset="0"/>
+            </a:endParaRPr>
+          </a:p>
+        </p:txBody>
+      </p:sp>
+      <p:pic>
+        <p:nvPicPr>
+          <p:cNvPr id="9" name="Content Placeholder 8">
+            <a:extLst>
+              <a:ext uri="{FF2B5EF4-FFF2-40B4-BE49-F238E27FC236}">
+                <a16:creationId xmlns:a16="http://schemas.microsoft.com/office/drawing/2014/main" id="{243F35B5-AB5A-47D4-A0D8-5A6942C36C95}"/>
+              </a:ext>
+            </a:extLst>
+          </p:cNvPr>
+          <p:cNvPicPr>
+            <a:picLocks noGrp="1" noChangeAspect="1"/>
+          </p:cNvPicPr>
+          <p:nvPr>
+            <p:ph idx="1"/>
+          </p:nvPr>
+        </p:nvPicPr>
+        <p:blipFill>
+          <a:blip r:embed="rId2">
+            <a:extLst>
+              <a:ext uri="{28A0092B-C50C-407E-A947-70E740481C1C}">
+                <a14:useLocalDpi xmlns:a14="http://schemas.microsoft.com/office/drawing/2010/main" val="0"/>
+              </a:ext>
+            </a:extLst>
+          </a:blip>
+          <a:stretch>
+            <a:fillRect/>
+          </a:stretch>
+        </p:blipFill>
+        <p:spPr>
+          <a:xfrm>
+            <a:off x="3290821" y="1809955"/>
+            <a:ext cx="5610355" cy="3157100"/>
+          </a:xfrm>
+        </p:spPr>
+      </p:pic>
+      <p:sp>
+        <p:nvSpPr>
+          <p:cNvPr id="10" name="Rectangle 9">
+            <a:extLst>
+              <a:ext uri="{FF2B5EF4-FFF2-40B4-BE49-F238E27FC236}">
+                <a16:creationId xmlns:a16="http://schemas.microsoft.com/office/drawing/2014/main" id="{BD0702A1-978A-46A9-B29C-82127F85C760}"/>
+              </a:ext>
+            </a:extLst>
+          </p:cNvPr>
+          <p:cNvSpPr/>
+          <p:nvPr/>
+        </p:nvSpPr>
+        <p:spPr>
+          <a:xfrm>
+            <a:off x="4653806" y="1102069"/>
+            <a:ext cx="2884387" cy="707886"/>
+          </a:xfrm>
+          <a:prstGeom prst="rect">
+            <a:avLst/>
+          </a:prstGeom>
+        </p:spPr>
+        <p:txBody>
+          <a:bodyPr wrap="square">
+            <a:spAutoFit/>
+          </a:bodyPr>
+          <a:lstStyle/>
+          <a:p>
+            <a:r>
+              <a:rPr lang="en-US" sz="4000" dirty="0">
+                <a:solidFill>
+                  <a:srgbClr val="FF0000"/>
+                </a:solidFill>
+                <a:latin typeface="Times New Roman" panose="02020603050405020304" pitchFamily="18" charset="0"/>
+                <a:cs typeface="Times New Roman" panose="02020603050405020304" pitchFamily="18" charset="0"/>
+              </a:rPr>
+              <a:t>Adversary!!!</a:t>
+            </a:r>
+            <a:endParaRPr lang="en-US" sz="4000" dirty="0"/>
+          </a:p>
+        </p:txBody>
+      </p:sp>
+      <p:sp>
+        <p:nvSpPr>
+          <p:cNvPr id="12" name="Rectangle 11">
+            <a:extLst>
+              <a:ext uri="{FF2B5EF4-FFF2-40B4-BE49-F238E27FC236}">
+                <a16:creationId xmlns:a16="http://schemas.microsoft.com/office/drawing/2014/main" id="{F7BC00F4-DBE1-41D5-88E5-35F50F3F1516}"/>
+              </a:ext>
+            </a:extLst>
+          </p:cNvPr>
+          <p:cNvSpPr/>
+          <p:nvPr/>
+        </p:nvSpPr>
+        <p:spPr>
+          <a:xfrm>
+            <a:off x="1059829" y="5177875"/>
+            <a:ext cx="7187954" cy="646331"/>
+          </a:xfrm>
+          <a:prstGeom prst="rect">
+            <a:avLst/>
+          </a:prstGeom>
+        </p:spPr>
+        <p:txBody>
+          <a:bodyPr wrap="square">
+            <a:spAutoFit/>
+          </a:bodyPr>
+          <a:lstStyle/>
+          <a:p>
+            <a:r>
+              <a:rPr lang="en-US" dirty="0">
+                <a:latin typeface="Times New Roman" panose="02020603050405020304" pitchFamily="18" charset="0"/>
+                <a:cs typeface="Times New Roman" panose="02020603050405020304" pitchFamily="18" charset="0"/>
+              </a:rPr>
+              <a:t>A theoretical agent that uses information about the past moves of an on-line algorithm to choose inputs that force the worst-case cost of the algorithm.</a:t>
+            </a:r>
+          </a:p>
+        </p:txBody>
+      </p:sp>
+    </p:spTree>
+    <p:extLst>
+      <p:ext uri="{BB962C8B-B14F-4D97-AF65-F5344CB8AC3E}">
+        <p14:creationId xmlns:p14="http://schemas.microsoft.com/office/powerpoint/2010/main" val="1794779324"/>
+      </p:ext>
+    </p:extLst>
+  </p:cSld>
+  <p:clrMapOvr>
+    <a:masterClrMapping/>
+  </p:clrMapOvr>
+</p:sld>
+</file>
+
+<file path=ppt/slides/slide4.xml><?xml version="1.0" encoding="utf-8"?>
+<p:sld xmlns:a="http://schemas.openxmlformats.org/drawingml/2006/main" xmlns:r="http://schemas.openxmlformats.org/officeDocument/2006/relationships" xmlns:p="http://schemas.openxmlformats.org/presentationml/2006/main">
+  <p:cSld>
+    <p:spTree>
+      <p:nvGrpSpPr>
+        <p:cNvPr id="1" name=""/>
+        <p:cNvGrpSpPr/>
+        <p:nvPr/>
+      </p:nvGrpSpPr>
+      <p:grpSpPr>
+        <a:xfrm>
+          <a:off x="0" y="0"/>
+          <a:ext cx="0" cy="0"/>
+          <a:chOff x="0" y="0"/>
+          <a:chExt cx="0" cy="0"/>
+        </a:xfrm>
+      </p:grpSpPr>
+      <p:sp>
+        <p:nvSpPr>
+          <p:cNvPr id="2" name="Title 1">
+            <a:extLst>
+              <a:ext uri="{FF2B5EF4-FFF2-40B4-BE49-F238E27FC236}">
                 <a16:creationId xmlns:a16="http://schemas.microsoft.com/office/drawing/2014/main" id="{CC00FC86-BDA4-4399-96A1-C988CA53EAD4}"/>
               </a:ext>
             </a:extLst>
@@ -4023,7 +4323,12 @@
             <p:ph type="title"/>
           </p:nvPr>
         </p:nvSpPr>
-        <p:spPr/>
+        <p:spPr>
+          <a:xfrm>
+            <a:off x="838200" y="329615"/>
+            <a:ext cx="10515600" cy="1325563"/>
+          </a:xfrm>
+        </p:spPr>
         <p:txBody>
           <a:bodyPr>
             <a:normAutofit/>
@@ -4040,8 +4345,8 @@
           </a:p>
         </p:txBody>
       </p:sp>
-      <mc:AlternateContent xmlns:mc="http://schemas.openxmlformats.org/markup-compatibility/2006">
-        <mc:Choice xmlns:a14="http://schemas.microsoft.com/office/drawing/2010/main" Requires="a14">
+      <mc:AlternateContent xmlns:mc="http://schemas.openxmlformats.org/markup-compatibility/2006" xmlns:a14="http://schemas.microsoft.com/office/drawing/2010/main">
+        <mc:Choice Requires="a14">
           <p:graphicFrame>
             <p:nvGraphicFramePr>
               <p:cNvPr id="8" name="Content Placeholder 7">
@@ -4058,7 +4363,7 @@
                 <p:ph idx="1"/>
                 <p:extLst>
                   <p:ext uri="{D42A27DB-BD31-4B8C-83A1-F6EECF244321}">
-                    <p14:modId xmlns:p14="http://schemas.microsoft.com/office/powerpoint/2010/main" val="2414382444"/>
+                    <p14:modId xmlns:p14="http://schemas.microsoft.com/office/powerpoint/2010/main" val="2720097261"/>
                   </p:ext>
                 </p:extLst>
               </p:nvPr>
@@ -4368,13 +4673,15 @@
                           <a:pPr algn="ctr"/>
                           <a:r>
                             <a:rPr lang="en-US" dirty="0"/>
-                            <a:t>n</a:t>
+                            <a:t>1</a:t>
                           </a:r>
                         </a:p>
                       </a:txBody>
                       <a:tcPr>
                         <a:solidFill>
-                          <a:srgbClr val="FF7575"/>
+                          <a:schemeClr val="accent5">
+                            <a:lumMod val="50000"/>
+                          </a:schemeClr>
                         </a:solidFill>
                       </a:tcPr>
                     </a:tc>
@@ -4445,15 +4752,13 @@
                           <a:pPr algn="ctr"/>
                           <a:r>
                             <a:rPr lang="en-US" dirty="0"/>
-                            <a:t>1</a:t>
+                            <a:t>n</a:t>
                           </a:r>
                         </a:p>
                       </a:txBody>
                       <a:tcPr>
                         <a:solidFill>
-                          <a:schemeClr val="accent1">
-                            <a:lumMod val="75000"/>
-                          </a:schemeClr>
+                          <a:srgbClr val="FF7575"/>
                         </a:solidFill>
                       </a:tcPr>
                     </a:tc>
@@ -4653,7 +4958,7 @@
             </a:graphic>
           </p:graphicFrame>
         </mc:Choice>
-        <mc:Fallback>
+        <mc:Fallback xmlns="">
           <p:graphicFrame>
             <p:nvGraphicFramePr>
               <p:cNvPr id="8" name="Content Placeholder 7">
@@ -4670,7 +4975,7 @@
                 <p:ph idx="1"/>
                 <p:extLst>
                   <p:ext uri="{D42A27DB-BD31-4B8C-83A1-F6EECF244321}">
-                    <p14:modId xmlns:p14="http://schemas.microsoft.com/office/powerpoint/2010/main" val="2414382444"/>
+                    <p14:modId xmlns:p14="http://schemas.microsoft.com/office/powerpoint/2010/main" val="2720097261"/>
                   </p:ext>
                 </p:extLst>
               </p:nvPr>
@@ -4980,13 +5285,15 @@
                           <a:pPr algn="ctr"/>
                           <a:r>
                             <a:rPr lang="en-US" dirty="0"/>
-                            <a:t>n</a:t>
+                            <a:t>1</a:t>
                           </a:r>
                         </a:p>
                       </a:txBody>
                       <a:tcPr>
                         <a:solidFill>
-                          <a:srgbClr val="FF7575"/>
+                          <a:schemeClr val="accent5">
+                            <a:lumMod val="50000"/>
+                          </a:schemeClr>
                         </a:solidFill>
                       </a:tcPr>
                     </a:tc>
@@ -5057,15 +5364,13 @@
                           <a:pPr algn="ctr"/>
                           <a:r>
                             <a:rPr lang="en-US" dirty="0"/>
-                            <a:t>1</a:t>
+                            <a:t>n</a:t>
                           </a:r>
                         </a:p>
                       </a:txBody>
                       <a:tcPr>
                         <a:solidFill>
-                          <a:schemeClr val="accent1">
-                            <a:lumMod val="75000"/>
-                          </a:schemeClr>
+                          <a:srgbClr val="FF7575"/>
                         </a:solidFill>
                       </a:tcPr>
                     </a:tc>
@@ -5187,7 +5492,7 @@
 </p:sld>
 </file>
 
-<file path=ppt/slides/slide4.xml><?xml version="1.0" encoding="utf-8"?>
+<file path=ppt/slides/slide5.xml><?xml version="1.0" encoding="utf-8"?>
 <p:sld xmlns:a="http://schemas.openxmlformats.org/drawingml/2006/main" xmlns:r="http://schemas.openxmlformats.org/officeDocument/2006/relationships" xmlns:p="http://schemas.openxmlformats.org/presentationml/2006/main">
   <p:cSld>
     <p:spTree>
@@ -5328,7 +5633,7 @@
 </p:sld>
 </file>
 
-<file path=ppt/slides/slide5.xml><?xml version="1.0" encoding="utf-8"?>
+<file path=ppt/slides/slide6.xml><?xml version="1.0" encoding="utf-8"?>
 <p:sld xmlns:a="http://schemas.openxmlformats.org/drawingml/2006/main" xmlns:r="http://schemas.openxmlformats.org/officeDocument/2006/relationships" xmlns:p="http://schemas.openxmlformats.org/presentationml/2006/main">
   <p:cSld>
     <p:spTree>
@@ -5438,7 +5743,7 @@
 </p:sld>
 </file>
 
-<file path=ppt/slides/slide6.xml><?xml version="1.0" encoding="utf-8"?>
+<file path=ppt/slides/slide7.xml><?xml version="1.0" encoding="utf-8"?>
 <p:sld xmlns:a="http://schemas.openxmlformats.org/drawingml/2006/main" xmlns:r="http://schemas.openxmlformats.org/officeDocument/2006/relationships" xmlns:p="http://schemas.openxmlformats.org/presentationml/2006/main">
   <p:cSld>
     <p:spTree>
@@ -5548,7 +5853,131 @@
 </p:sld>
 </file>
 
-<file path=ppt/slides/slide7.xml><?xml version="1.0" encoding="utf-8"?>
+<file path=ppt/slides/slide8.xml><?xml version="1.0" encoding="utf-8"?>
+<p:sld xmlns:a="http://schemas.openxmlformats.org/drawingml/2006/main" xmlns:r="http://schemas.openxmlformats.org/officeDocument/2006/relationships" xmlns:p="http://schemas.openxmlformats.org/presentationml/2006/main">
+  <p:cSld>
+    <p:spTree>
+      <p:nvGrpSpPr>
+        <p:cNvPr id="1" name=""/>
+        <p:cNvGrpSpPr/>
+        <p:nvPr/>
+      </p:nvGrpSpPr>
+      <p:grpSpPr>
+        <a:xfrm>
+          <a:off x="0" y="0"/>
+          <a:ext cx="0" cy="0"/>
+          <a:chOff x="0" y="0"/>
+          <a:chExt cx="0" cy="0"/>
+        </a:xfrm>
+      </p:grpSpPr>
+      <p:sp>
+        <p:nvSpPr>
+          <p:cNvPr id="2" name="Title 1">
+            <a:extLst>
+              <a:ext uri="{FF2B5EF4-FFF2-40B4-BE49-F238E27FC236}">
+                <a16:creationId xmlns:a16="http://schemas.microsoft.com/office/drawing/2014/main" id="{4FC00F6C-DB94-4D15-A327-D45472807BA7}"/>
+              </a:ext>
+            </a:extLst>
+          </p:cNvPr>
+          <p:cNvSpPr>
+            <a:spLocks noGrp="1"/>
+          </p:cNvSpPr>
+          <p:nvPr>
+            <p:ph type="title"/>
+          </p:nvPr>
+        </p:nvSpPr>
+        <p:spPr/>
+        <p:txBody>
+          <a:bodyPr/>
+          <a:lstStyle/>
+          <a:p>
+            <a:r>
+              <a:rPr lang="en-US" dirty="0">
+                <a:latin typeface="Times New Roman" panose="02020603050405020304" pitchFamily="18" charset="0"/>
+                <a:cs typeface="Times New Roman" panose="02020603050405020304" pitchFamily="18" charset="0"/>
+              </a:rPr>
+              <a:t>Building trees programmatically</a:t>
+            </a:r>
+          </a:p>
+        </p:txBody>
+      </p:sp>
+      <p:sp>
+        <p:nvSpPr>
+          <p:cNvPr id="3" name="Content Placeholder 2">
+            <a:extLst>
+              <a:ext uri="{FF2B5EF4-FFF2-40B4-BE49-F238E27FC236}">
+                <a16:creationId xmlns:a16="http://schemas.microsoft.com/office/drawing/2014/main" id="{574BB86F-142E-4237-BDBA-AF5366613037}"/>
+              </a:ext>
+            </a:extLst>
+          </p:cNvPr>
+          <p:cNvSpPr>
+            <a:spLocks noGrp="1"/>
+          </p:cNvSpPr>
+          <p:nvPr>
+            <p:ph idx="1"/>
+          </p:nvPr>
+        </p:nvSpPr>
+        <p:spPr>
+          <a:xfrm>
+            <a:off x="1838826" y="2288423"/>
+            <a:ext cx="8514347" cy="2281154"/>
+          </a:xfrm>
+        </p:spPr>
+        <p:txBody>
+          <a:bodyPr/>
+          <a:lstStyle/>
+          <a:p>
+            <a:r>
+              <a:rPr lang="en-US" dirty="0">
+                <a:latin typeface="Times New Roman" panose="02020603050405020304" pitchFamily="18" charset="0"/>
+                <a:cs typeface="Times New Roman" panose="02020603050405020304" pitchFamily="18" charset="0"/>
+              </a:rPr>
+              <a:t>Each node must have data value</a:t>
+            </a:r>
+          </a:p>
+          <a:p>
+            <a:r>
+              <a:rPr lang="en-US" dirty="0">
+                <a:latin typeface="Times New Roman" panose="02020603050405020304" pitchFamily="18" charset="0"/>
+                <a:cs typeface="Times New Roman" panose="02020603050405020304" pitchFamily="18" charset="0"/>
+              </a:rPr>
+              <a:t>Each node must have left child pointer</a:t>
+            </a:r>
+          </a:p>
+          <a:p>
+            <a:r>
+              <a:rPr lang="en-US" dirty="0">
+                <a:latin typeface="Times New Roman" panose="02020603050405020304" pitchFamily="18" charset="0"/>
+                <a:cs typeface="Times New Roman" panose="02020603050405020304" pitchFamily="18" charset="0"/>
+              </a:rPr>
+              <a:t>Each node must have right child pointer</a:t>
+            </a:r>
+          </a:p>
+          <a:p>
+            <a:r>
+              <a:rPr lang="en-US" dirty="0">
+                <a:latin typeface="Times New Roman" panose="02020603050405020304" pitchFamily="18" charset="0"/>
+                <a:cs typeface="Times New Roman" panose="02020603050405020304" pitchFamily="18" charset="0"/>
+              </a:rPr>
+              <a:t>Each node must have parent pointer</a:t>
+            </a:r>
+          </a:p>
+        </p:txBody>
+      </p:sp>
+    </p:spTree>
+    <p:extLst>
+      <p:ext uri="{BB962C8B-B14F-4D97-AF65-F5344CB8AC3E}">
+        <p14:creationId xmlns:p14="http://schemas.microsoft.com/office/powerpoint/2010/main" val="2367158936"/>
+      </p:ext>
+    </p:extLst>
+  </p:cSld>
+  <p:clrMapOvr>
+    <a:masterClrMapping/>
+  </p:clrMapOvr>
+</p:sld>
+</file>
+
+<file path=ppt/slides/slide9.xml><?xml version="1.0" encoding="utf-8"?>
 <p:sld xmlns:a="http://schemas.openxmlformats.org/drawingml/2006/main" xmlns:r="http://schemas.openxmlformats.org/officeDocument/2006/relationships" xmlns:p="http://schemas.openxmlformats.org/presentationml/2006/main">
   <p:cSld>
     <p:spTree>
@@ -6279,248 +6708,6 @@
 </p:sld>
 </file>
 
-<file path=ppt/slides/slide8.xml><?xml version="1.0" encoding="utf-8"?>
-<p:sld xmlns:a="http://schemas.openxmlformats.org/drawingml/2006/main" xmlns:r="http://schemas.openxmlformats.org/officeDocument/2006/relationships" xmlns:p="http://schemas.openxmlformats.org/presentationml/2006/main">
-  <p:cSld>
-    <p:spTree>
-      <p:nvGrpSpPr>
-        <p:cNvPr id="1" name=""/>
-        <p:cNvGrpSpPr/>
-        <p:nvPr/>
-      </p:nvGrpSpPr>
-      <p:grpSpPr>
-        <a:xfrm>
-          <a:off x="0" y="0"/>
-          <a:ext cx="0" cy="0"/>
-          <a:chOff x="0" y="0"/>
-          <a:chExt cx="0" cy="0"/>
-        </a:xfrm>
-      </p:grpSpPr>
-      <p:sp>
-        <p:nvSpPr>
-          <p:cNvPr id="2" name="Title 1">
-            <a:extLst>
-              <a:ext uri="{FF2B5EF4-FFF2-40B4-BE49-F238E27FC236}">
-                <a16:creationId xmlns:a16="http://schemas.microsoft.com/office/drawing/2014/main" id="{4FC00F6C-DB94-4D15-A327-D45472807BA7}"/>
-              </a:ext>
-            </a:extLst>
-          </p:cNvPr>
-          <p:cNvSpPr>
-            <a:spLocks noGrp="1"/>
-          </p:cNvSpPr>
-          <p:nvPr>
-            <p:ph type="title"/>
-          </p:nvPr>
-        </p:nvSpPr>
-        <p:spPr/>
-        <p:txBody>
-          <a:bodyPr/>
-          <a:lstStyle/>
-          <a:p>
-            <a:r>
-              <a:rPr lang="en-US" dirty="0">
-                <a:latin typeface="Times New Roman" panose="02020603050405020304" pitchFamily="18" charset="0"/>
-                <a:cs typeface="Times New Roman" panose="02020603050405020304" pitchFamily="18" charset="0"/>
-              </a:rPr>
-              <a:t>Building trees </a:t>
-            </a:r>
-            <a:r>
-              <a:rPr lang="en-US" dirty="0" err="1">
-                <a:latin typeface="Times New Roman" panose="02020603050405020304" pitchFamily="18" charset="0"/>
-                <a:cs typeface="Times New Roman" panose="02020603050405020304" pitchFamily="18" charset="0"/>
-              </a:rPr>
-              <a:t>programatically</a:t>
-            </a:r>
-            <a:endParaRPr lang="en-US" dirty="0">
-              <a:latin typeface="Times New Roman" panose="02020603050405020304" pitchFamily="18" charset="0"/>
-              <a:cs typeface="Times New Roman" panose="02020603050405020304" pitchFamily="18" charset="0"/>
-            </a:endParaRPr>
-          </a:p>
-        </p:txBody>
-      </p:sp>
-      <p:sp>
-        <p:nvSpPr>
-          <p:cNvPr id="3" name="Content Placeholder 2">
-            <a:extLst>
-              <a:ext uri="{FF2B5EF4-FFF2-40B4-BE49-F238E27FC236}">
-                <a16:creationId xmlns:a16="http://schemas.microsoft.com/office/drawing/2014/main" id="{574BB86F-142E-4237-BDBA-AF5366613037}"/>
-              </a:ext>
-            </a:extLst>
-          </p:cNvPr>
-          <p:cNvSpPr>
-            <a:spLocks noGrp="1"/>
-          </p:cNvSpPr>
-          <p:nvPr>
-            <p:ph idx="1"/>
-          </p:nvPr>
-        </p:nvSpPr>
-        <p:spPr>
-          <a:xfrm>
-            <a:off x="1838826" y="1835067"/>
-            <a:ext cx="8514347" cy="2281154"/>
-          </a:xfrm>
-        </p:spPr>
-        <p:txBody>
-          <a:bodyPr/>
-          <a:lstStyle/>
-          <a:p>
-            <a:r>
-              <a:rPr lang="en-US" dirty="0">
-                <a:latin typeface="Times New Roman" panose="02020603050405020304" pitchFamily="18" charset="0"/>
-                <a:cs typeface="Times New Roman" panose="02020603050405020304" pitchFamily="18" charset="0"/>
-              </a:rPr>
-              <a:t>Each node must have data value</a:t>
-            </a:r>
-          </a:p>
-          <a:p>
-            <a:r>
-              <a:rPr lang="en-US" dirty="0">
-                <a:latin typeface="Times New Roman" panose="02020603050405020304" pitchFamily="18" charset="0"/>
-                <a:cs typeface="Times New Roman" panose="02020603050405020304" pitchFamily="18" charset="0"/>
-              </a:rPr>
-              <a:t>Each node must have left child pointer</a:t>
-            </a:r>
-          </a:p>
-          <a:p>
-            <a:r>
-              <a:rPr lang="en-US" dirty="0">
-                <a:latin typeface="Times New Roman" panose="02020603050405020304" pitchFamily="18" charset="0"/>
-                <a:cs typeface="Times New Roman" panose="02020603050405020304" pitchFamily="18" charset="0"/>
-              </a:rPr>
-              <a:t>Each node must have right child pointer</a:t>
-            </a:r>
-          </a:p>
-          <a:p>
-            <a:r>
-              <a:rPr lang="en-US" dirty="0">
-                <a:latin typeface="Times New Roman" panose="02020603050405020304" pitchFamily="18" charset="0"/>
-                <a:cs typeface="Times New Roman" panose="02020603050405020304" pitchFamily="18" charset="0"/>
-              </a:rPr>
-              <a:t>Each node must have parent pointer</a:t>
-            </a:r>
-          </a:p>
-        </p:txBody>
-      </p:sp>
-    </p:spTree>
-    <p:extLst>
-      <p:ext uri="{BB962C8B-B14F-4D97-AF65-F5344CB8AC3E}">
-        <p14:creationId xmlns:p14="http://schemas.microsoft.com/office/powerpoint/2010/main" val="2367158936"/>
-      </p:ext>
-    </p:extLst>
-  </p:cSld>
-  <p:clrMapOvr>
-    <a:masterClrMapping/>
-  </p:clrMapOvr>
-</p:sld>
-</file>
-
-<file path=ppt/slides/slide9.xml><?xml version="1.0" encoding="utf-8"?>
-<p:sld xmlns:a="http://schemas.openxmlformats.org/drawingml/2006/main" xmlns:r="http://schemas.openxmlformats.org/officeDocument/2006/relationships" xmlns:p="http://schemas.openxmlformats.org/presentationml/2006/main">
-  <p:cSld>
-    <p:spTree>
-      <p:nvGrpSpPr>
-        <p:cNvPr id="1" name=""/>
-        <p:cNvGrpSpPr/>
-        <p:nvPr/>
-      </p:nvGrpSpPr>
-      <p:grpSpPr>
-        <a:xfrm>
-          <a:off x="0" y="0"/>
-          <a:ext cx="0" cy="0"/>
-          <a:chOff x="0" y="0"/>
-          <a:chExt cx="0" cy="0"/>
-        </a:xfrm>
-      </p:grpSpPr>
-      <p:pic>
-        <p:nvPicPr>
-          <p:cNvPr id="4" name="Picture 3">
-            <a:extLst>
-              <a:ext uri="{FF2B5EF4-FFF2-40B4-BE49-F238E27FC236}">
-                <a16:creationId xmlns:a16="http://schemas.microsoft.com/office/drawing/2014/main" id="{9381F09E-A372-481F-9E2F-AF1BD855178F}"/>
-              </a:ext>
-            </a:extLst>
-          </p:cNvPr>
-          <p:cNvPicPr>
-            <a:picLocks noChangeAspect="1"/>
-          </p:cNvPicPr>
-          <p:nvPr/>
-        </p:nvPicPr>
-        <p:blipFill>
-          <a:blip r:embed="rId2"/>
-          <a:stretch>
-            <a:fillRect/>
-          </a:stretch>
-        </p:blipFill>
-        <p:spPr>
-          <a:xfrm>
-            <a:off x="1208922" y="1197356"/>
-            <a:ext cx="6886575" cy="1581150"/>
-          </a:xfrm>
-          <a:prstGeom prst="rect">
-            <a:avLst/>
-          </a:prstGeom>
-        </p:spPr>
-      </p:pic>
-      <p:pic>
-        <p:nvPicPr>
-          <p:cNvPr id="3074" name="Picture 2" descr="A binary tree node image. There is a data element, and two pointers going towards the left and towards the right">
-            <a:extLst>
-              <a:ext uri="{FF2B5EF4-FFF2-40B4-BE49-F238E27FC236}">
-                <a16:creationId xmlns:a16="http://schemas.microsoft.com/office/drawing/2014/main" id="{C0EFA209-BD2D-4325-BDFC-54A1283A4398}"/>
-              </a:ext>
-            </a:extLst>
-          </p:cNvPr>
-          <p:cNvPicPr>
-            <a:picLocks noChangeAspect="1" noChangeArrowheads="1"/>
-          </p:cNvPicPr>
-          <p:nvPr/>
-        </p:nvPicPr>
-        <p:blipFill>
-          <a:blip r:embed="rId3">
-            <a:extLst>
-              <a:ext uri="{28A0092B-C50C-407E-A947-70E740481C1C}">
-                <a14:useLocalDpi xmlns:a14="http://schemas.microsoft.com/office/drawing/2010/main" val="0"/>
-              </a:ext>
-            </a:extLst>
-          </a:blip>
-          <a:srcRect/>
-          <a:stretch>
-            <a:fillRect/>
-          </a:stretch>
-        </p:blipFill>
-        <p:spPr bwMode="auto">
-          <a:xfrm>
-            <a:off x="2832684" y="3172326"/>
-            <a:ext cx="5262813" cy="3033247"/>
-          </a:xfrm>
-          <a:prstGeom prst="rect">
-            <a:avLst/>
-          </a:prstGeom>
-          <a:noFill/>
-          <a:extLst>
-            <a:ext uri="{909E8E84-426E-40DD-AFC4-6F175D3DCCD1}">
-              <a14:hiddenFill xmlns:a14="http://schemas.microsoft.com/office/drawing/2010/main">
-                <a:solidFill>
-                  <a:srgbClr val="FFFFFF"/>
-                </a:solidFill>
-              </a14:hiddenFill>
-            </a:ext>
-          </a:extLst>
-        </p:spPr>
-      </p:pic>
-    </p:spTree>
-    <p:extLst>
-      <p:ext uri="{BB962C8B-B14F-4D97-AF65-F5344CB8AC3E}">
-        <p14:creationId xmlns:p14="http://schemas.microsoft.com/office/powerpoint/2010/main" val="4106472994"/>
-      </p:ext>
-    </p:extLst>
-  </p:cSld>
-  <p:clrMapOvr>
-    <a:masterClrMapping/>
-  </p:clrMapOvr>
-</p:sld>
-</file>
-
 <file path=ppt/theme/theme1.xml><?xml version="1.0" encoding="utf-8"?>
 <a:theme xmlns:a="http://schemas.openxmlformats.org/drawingml/2006/main" name="Office Theme">
   <a:themeElements>
